--- a/lecture_slides/LLD_6.pptx
+++ b/lecture_slides/LLD_6.pptx
@@ -249,7 +249,7 @@
           <a:p>
             <a:fld id="{C805194A-C6F7-4845-905A-AA0858212940}" type="datetimeFigureOut">
               <a:rPr lang="ru-RU" smtClean="0"/>
-              <a:t>15.03.2024</a:t>
+              <a:t>19.03.2024</a:t>
             </a:fld>
             <a:endParaRPr lang="ru-RU"/>
           </a:p>
@@ -647,7 +647,7 @@
           <a:p>
             <a:fld id="{A55F7EAE-8D1F-4DFB-BF3D-67901E940A71}" type="datetime1">
               <a:rPr lang="ru-RU" smtClean="0"/>
-              <a:t>15.03.2024</a:t>
+              <a:t>19.03.2024</a:t>
             </a:fld>
             <a:endParaRPr lang="ru-RU"/>
           </a:p>
@@ -817,7 +817,7 @@
           <a:p>
             <a:fld id="{3A0B1FAF-5D06-4C6A-8912-CB01E5524513}" type="datetime1">
               <a:rPr lang="ru-RU" smtClean="0"/>
-              <a:t>15.03.2024</a:t>
+              <a:t>19.03.2024</a:t>
             </a:fld>
             <a:endParaRPr lang="ru-RU"/>
           </a:p>
@@ -997,7 +997,7 @@
           <a:p>
             <a:fld id="{A3D11551-F63D-4305-9242-2455F0D0680F}" type="datetime1">
               <a:rPr lang="ru-RU" smtClean="0"/>
-              <a:t>15.03.2024</a:t>
+              <a:t>19.03.2024</a:t>
             </a:fld>
             <a:endParaRPr lang="ru-RU"/>
           </a:p>
@@ -1167,7 +1167,7 @@
           <a:p>
             <a:fld id="{104678DD-CB71-40E3-BB0A-4D3A991A0D81}" type="datetime1">
               <a:rPr lang="ru-RU" smtClean="0"/>
-              <a:t>15.03.2024</a:t>
+              <a:t>19.03.2024</a:t>
             </a:fld>
             <a:endParaRPr lang="ru-RU"/>
           </a:p>
@@ -1411,7 +1411,7 @@
           <a:p>
             <a:fld id="{A13C56EB-640A-4B62-A69F-BCFB4467D275}" type="datetime1">
               <a:rPr lang="ru-RU" smtClean="0"/>
-              <a:t>15.03.2024</a:t>
+              <a:t>19.03.2024</a:t>
             </a:fld>
             <a:endParaRPr lang="ru-RU"/>
           </a:p>
@@ -1643,7 +1643,7 @@
           <a:p>
             <a:fld id="{20709B79-B273-40B5-992B-C94F11058C74}" type="datetime1">
               <a:rPr lang="ru-RU" smtClean="0"/>
-              <a:t>15.03.2024</a:t>
+              <a:t>19.03.2024</a:t>
             </a:fld>
             <a:endParaRPr lang="ru-RU"/>
           </a:p>
@@ -2010,7 +2010,7 @@
           <a:p>
             <a:fld id="{79017CC2-80E7-4879-9CE6-2C6E658A39C4}" type="datetime1">
               <a:rPr lang="ru-RU" smtClean="0"/>
-              <a:t>15.03.2024</a:t>
+              <a:t>19.03.2024</a:t>
             </a:fld>
             <a:endParaRPr lang="ru-RU"/>
           </a:p>
@@ -2128,7 +2128,7 @@
           <a:p>
             <a:fld id="{71F211D6-B2CC-43C9-B174-8720B6BD7186}" type="datetime1">
               <a:rPr lang="ru-RU" smtClean="0"/>
-              <a:t>15.03.2024</a:t>
+              <a:t>19.03.2024</a:t>
             </a:fld>
             <a:endParaRPr lang="ru-RU"/>
           </a:p>
@@ -2223,7 +2223,7 @@
           <a:p>
             <a:fld id="{E278B0DE-A3F8-4E7E-BCA5-00409DEB3409}" type="datetime1">
               <a:rPr lang="ru-RU" smtClean="0"/>
-              <a:t>15.03.2024</a:t>
+              <a:t>19.03.2024</a:t>
             </a:fld>
             <a:endParaRPr lang="ru-RU"/>
           </a:p>
@@ -2500,7 +2500,7 @@
           <a:p>
             <a:fld id="{FBF6861F-C6DE-4D77-AB90-F71103727935}" type="datetime1">
               <a:rPr lang="ru-RU" smtClean="0"/>
-              <a:t>15.03.2024</a:t>
+              <a:t>19.03.2024</a:t>
             </a:fld>
             <a:endParaRPr lang="ru-RU"/>
           </a:p>
@@ -2757,7 +2757,7 @@
           <a:p>
             <a:fld id="{B4A72A33-9FB2-420B-B13E-74C31A10874D}" type="datetime1">
               <a:rPr lang="ru-RU" smtClean="0"/>
-              <a:t>15.03.2024</a:t>
+              <a:t>19.03.2024</a:t>
             </a:fld>
             <a:endParaRPr lang="ru-RU"/>
           </a:p>
@@ -2970,7 +2970,7 @@
           <a:p>
             <a:fld id="{6CE33DF6-6089-4127-A863-CD9F205B744B}" type="datetime1">
               <a:rPr lang="ru-RU" smtClean="0"/>
-              <a:t>15.03.2024</a:t>
+              <a:t>19.03.2024</a:t>
             </a:fld>
             <a:endParaRPr lang="ru-RU"/>
           </a:p>
@@ -3452,12 +3452,28 @@
               <a:t> </a:t>
             </a:r>
             <a:r>
-              <a:rPr lang="en-US" sz="3600" b="1" dirty="0">
+              <a:rPr lang="en-US" sz="3600" b="1" strike="sngStrike" dirty="0">
                 <a:latin typeface="Roboto" panose="02000000000000000000" pitchFamily="2" charset="0"/>
                 <a:ea typeface="Roboto" panose="02000000000000000000" pitchFamily="2" charset="0"/>
                 <a:cs typeface="Times New Roman" panose="02020603050405020304" pitchFamily="18" charset="0"/>
               </a:rPr>
-              <a:t>(2+2)*2</a:t>
+              <a:t>(2+2)*</a:t>
+            </a:r>
+            <a:r>
+              <a:rPr lang="en-US" sz="3600" b="1" strike="sngStrike">
+                <a:latin typeface="Roboto" panose="02000000000000000000" pitchFamily="2" charset="0"/>
+                <a:ea typeface="Roboto" panose="02000000000000000000" pitchFamily="2" charset="0"/>
+                <a:cs typeface="Times New Roman" panose="02020603050405020304" pitchFamily="18" charset="0"/>
+              </a:rPr>
+              <a:t>2</a:t>
+            </a:r>
+            <a:r>
+              <a:rPr lang="en-US" sz="3600" b="1">
+                <a:latin typeface="Roboto" panose="02000000000000000000" pitchFamily="2" charset="0"/>
+                <a:ea typeface="Roboto" panose="02000000000000000000" pitchFamily="2" charset="0"/>
+                <a:cs typeface="Times New Roman" panose="02020603050405020304" pitchFamily="18" charset="0"/>
+              </a:rPr>
+              <a:t> 2+2*2 </a:t>
             </a:r>
             <a:endParaRPr lang="ru-RU" sz="3600" b="1" dirty="0">
               <a:effectLst/>
